--- a/degrees.pptx
+++ b/degrees.pptx
@@ -22,6 +22,7 @@
     <p:sldId id="269" r:id="rId16"/>
     <p:sldId id="271" r:id="rId17"/>
     <p:sldId id="272" r:id="rId18"/>
+    <p:sldId id="273" r:id="rId19"/>
   </p:sldIdLst>
   <p:sldSz cx="9144000" cy="6858000" type="screen4x3"/>
   <p:notesSz cx="6858000" cy="9144000"/>
@@ -15632,6 +15633,413 @@
 </p:sld>
 </file>
 
+<file path=ppt/slides/slide18.xml><?xml version="1.0" encoding="utf-8"?>
+<p:sld xmlns:a="http://schemas.openxmlformats.org/drawingml/2006/main" xmlns:r="http://schemas.openxmlformats.org/officeDocument/2006/relationships" xmlns:p="http://schemas.openxmlformats.org/presentationml/2006/main">
+  <p:cSld>
+    <p:spTree>
+      <p:nvGrpSpPr>
+        <p:cNvPr id="1" name=""/>
+        <p:cNvGrpSpPr/>
+        <p:nvPr/>
+      </p:nvGrpSpPr>
+      <p:grpSpPr>
+        <a:xfrm>
+          <a:off x="0" y="0"/>
+          <a:ext cx="0" cy="0"/>
+          <a:chOff x="0" y="0"/>
+          <a:chExt cx="0" cy="0"/>
+        </a:xfrm>
+      </p:grpSpPr>
+      <p:sp>
+        <p:nvSpPr>
+          <p:cNvPr id="2" name="标题 1"/>
+          <p:cNvSpPr>
+            <a:spLocks noGrp="1"/>
+          </p:cNvSpPr>
+          <p:nvPr>
+            <p:ph type="title"/>
+          </p:nvPr>
+        </p:nvSpPr>
+        <p:spPr/>
+        <p:txBody>
+          <a:bodyPr anchor="t">
+            <a:normAutofit fontScale="90000"/>
+          </a:bodyPr>
+          <a:lstStyle/>
+          <a:p>
+            <a:pPr algn="l"/>
+            <a:r>
+              <a:rPr lang="zh-CN" altLang="en-US" sz="1000" dirty="0" smtClean="0"/>
+              <a:t>新问题是这个遍历平面生成非常慢，应该可以找到更好的方法。例如首先生成一些粗平面，然后细化。生成粗平面主要靠现有点来生成。</a:t>
+            </a:r>
+            <a:r>
+              <a:rPr lang="en-US" altLang="zh-CN" sz="1000" dirty="0" smtClean="0"/>
+              <a:t/>
+            </a:r>
+            <a:br>
+              <a:rPr lang="en-US" altLang="zh-CN" sz="1000" dirty="0" smtClean="0"/>
+            </a:br>
+            <a:r>
+              <a:rPr lang="zh-CN" altLang="en-US" sz="1000" dirty="0" smtClean="0"/>
+              <a:t>可以先用一些</a:t>
+            </a:r>
+            <a:r>
+              <a:rPr lang="en-US" altLang="zh-CN" sz="1000" dirty="0" err="1" smtClean="0"/>
+              <a:t>DoG</a:t>
+            </a:r>
+            <a:r>
+              <a:rPr lang="zh-CN" altLang="en-US" sz="1000" dirty="0" smtClean="0"/>
+              <a:t>之类的把图像分割，然后用分割出的块来近似平面。</a:t>
+            </a:r>
+            <a:r>
+              <a:rPr lang="en-US" altLang="zh-CN" sz="1000" dirty="0" smtClean="0"/>
+              <a:t/>
+            </a:r>
+            <a:br>
+              <a:rPr lang="en-US" altLang="zh-CN" sz="1000" dirty="0" smtClean="0"/>
+            </a:br>
+            <a:r>
+              <a:rPr lang="en-US" altLang="zh-CN" sz="1000" dirty="0" smtClean="0"/>
+              <a:t/>
+            </a:r>
+            <a:br>
+              <a:rPr lang="en-US" altLang="zh-CN" sz="1000" dirty="0" smtClean="0"/>
+            </a:br>
+            <a:r>
+              <a:rPr lang="zh-CN" altLang="en-US" sz="1000" dirty="0" smtClean="0"/>
+              <a:t>大胆的计算一些平面，然后看这些平面是否能扩大，如果能，则成功</a:t>
+            </a:r>
+            <a:r>
+              <a:rPr lang="en-US" altLang="zh-CN" sz="1000" dirty="0" smtClean="0"/>
+              <a:t/>
+            </a:r>
+            <a:br>
+              <a:rPr lang="en-US" altLang="zh-CN" sz="1000" dirty="0" smtClean="0"/>
+            </a:br>
+            <a:r>
+              <a:rPr lang="zh-CN" altLang="en-US" sz="1000" dirty="0" smtClean="0"/>
+              <a:t>找</a:t>
+            </a:r>
+            <a:r>
+              <a:rPr lang="en-US" altLang="zh-CN" sz="1000" dirty="0" smtClean="0"/>
+              <a:t>6x6</a:t>
+            </a:r>
+            <a:r>
+              <a:rPr lang="zh-CN" altLang="en-US" sz="1000" dirty="0" smtClean="0"/>
+              <a:t>的</a:t>
+            </a:r>
+            <a:r>
+              <a:rPr lang="en-US" altLang="zh-CN" sz="1000" dirty="0" smtClean="0"/>
+              <a:t>block</a:t>
+            </a:r>
+            <a:r>
+              <a:rPr lang="zh-CN" altLang="en-US" sz="1000" dirty="0" smtClean="0"/>
+              <a:t>，然后算是否属于同一个平面</a:t>
+            </a:r>
+            <a:r>
+              <a:rPr lang="en-US" altLang="zh-CN" sz="1000" dirty="0" smtClean="0"/>
+              <a:t/>
+            </a:r>
+            <a:br>
+              <a:rPr lang="en-US" altLang="zh-CN" sz="1000" dirty="0" smtClean="0"/>
+            </a:br>
+            <a:r>
+              <a:rPr lang="en-US" altLang="zh-CN" sz="1000" dirty="0" smtClean="0"/>
+              <a:t/>
+            </a:r>
+            <a:br>
+              <a:rPr lang="en-US" altLang="zh-CN" sz="1000" dirty="0" smtClean="0"/>
+            </a:br>
+            <a:r>
+              <a:rPr lang="zh-CN" altLang="en-US" sz="1000" dirty="0" smtClean="0"/>
+              <a:t>不过看</a:t>
+            </a:r>
+            <a:r>
+              <a:rPr lang="en-US" altLang="zh-CN" sz="1000" dirty="0" err="1" smtClean="0"/>
+              <a:t>berry.xlxs</a:t>
+            </a:r>
+            <a:r>
+              <a:rPr lang="zh-CN" altLang="en-US" sz="1000" dirty="0" smtClean="0"/>
+              <a:t>，似乎找到了平面未必有多大用处，不能切分边缘。</a:t>
+            </a:r>
+            <a:r>
+              <a:rPr lang="en-US" altLang="zh-CN" sz="1000" dirty="0" smtClean="0"/>
+              <a:t/>
+            </a:r>
+            <a:br>
+              <a:rPr lang="en-US" altLang="zh-CN" sz="1000" dirty="0" smtClean="0"/>
+            </a:br>
+            <a:r>
+              <a:rPr lang="en-US" altLang="zh-CN" sz="1000" dirty="0" smtClean="0"/>
+              <a:t/>
+            </a:r>
+            <a:br>
+              <a:rPr lang="en-US" altLang="zh-CN" sz="1000" dirty="0" smtClean="0"/>
+            </a:br>
+            <a:r>
+              <a:rPr lang="zh-CN" altLang="en-US" sz="1000" dirty="0" smtClean="0"/>
+              <a:t>各种边缘：</a:t>
+            </a:r>
+            <a:r>
+              <a:rPr lang="en-US" altLang="zh-CN" sz="1000" dirty="0" smtClean="0"/>
+              <a:t/>
+            </a:r>
+            <a:br>
+              <a:rPr lang="en-US" altLang="zh-CN" sz="1000" dirty="0" smtClean="0"/>
+            </a:br>
+            <a:r>
+              <a:rPr lang="en-US" altLang="zh-CN" sz="1000" dirty="0" smtClean="0"/>
+              <a:t>1. </a:t>
+            </a:r>
+            <a:r>
+              <a:rPr lang="zh-CN" altLang="en-US" sz="1000" dirty="0" smtClean="0"/>
+              <a:t>很细的亮点</a:t>
+            </a:r>
+            <a:r>
+              <a:rPr lang="en-US" altLang="zh-CN" sz="1000" dirty="0" smtClean="0"/>
+              <a:t/>
+            </a:r>
+            <a:br>
+              <a:rPr lang="en-US" altLang="zh-CN" sz="1000" dirty="0" smtClean="0"/>
+            </a:br>
+            <a:r>
+              <a:rPr lang="en-US" altLang="zh-CN" sz="1000" dirty="0" smtClean="0"/>
+              <a:t>2. </a:t>
+            </a:r>
+            <a:r>
+              <a:rPr lang="zh-CN" altLang="en-US" sz="1000" dirty="0" smtClean="0"/>
+              <a:t>很细的差点</a:t>
+            </a:r>
+            <a:r>
+              <a:rPr lang="en-US" altLang="zh-CN" sz="1000" dirty="0" smtClean="0"/>
+              <a:t/>
+            </a:r>
+            <a:br>
+              <a:rPr lang="en-US" altLang="zh-CN" sz="1000" dirty="0" smtClean="0"/>
+            </a:br>
+            <a:r>
+              <a:rPr lang="en-US" altLang="zh-CN" sz="1000" dirty="0" smtClean="0"/>
+              <a:t>3. </a:t>
+            </a:r>
+            <a:r>
+              <a:rPr lang="zh-CN" altLang="en-US" sz="1000" dirty="0" smtClean="0"/>
+              <a:t>很细的过零点</a:t>
+            </a:r>
+            <a:r>
+              <a:rPr lang="en-US" altLang="zh-CN" sz="1000" dirty="0" smtClean="0"/>
+              <a:t/>
+            </a:r>
+            <a:br>
+              <a:rPr lang="en-US" altLang="zh-CN" sz="1000" dirty="0" smtClean="0"/>
+            </a:br>
+            <a:r>
+              <a:rPr lang="en-US" altLang="zh-CN" sz="1000" dirty="0" smtClean="0"/>
+              <a:t/>
+            </a:r>
+            <a:br>
+              <a:rPr lang="en-US" altLang="zh-CN" sz="1000" dirty="0" smtClean="0"/>
+            </a:br>
+            <a:r>
+              <a:rPr lang="en-US" altLang="zh-CN" sz="1000" dirty="0" smtClean="0"/>
+              <a:t>for 0-360</a:t>
+            </a:r>
+            <a:r>
+              <a:rPr lang="zh-CN" altLang="en-US" sz="1000" dirty="0" smtClean="0"/>
+              <a:t>度，</a:t>
+            </a:r>
+            <a:r>
+              <a:rPr lang="en-US" altLang="zh-CN" sz="1000" dirty="0" smtClean="0"/>
+              <a:t/>
+            </a:r>
+            <a:br>
+              <a:rPr lang="en-US" altLang="zh-CN" sz="1000" dirty="0" smtClean="0"/>
+            </a:br>
+            <a:r>
+              <a:rPr lang="en-US" altLang="zh-CN" sz="1000" dirty="0" smtClean="0"/>
+              <a:t> </a:t>
+            </a:r>
+            <a:r>
+              <a:rPr lang="en-US" altLang="zh-CN" sz="1000" dirty="0" smtClean="0"/>
+              <a:t> </a:t>
+            </a:r>
+            <a:r>
+              <a:rPr lang="zh-CN" altLang="en-US" sz="1000" dirty="0" smtClean="0"/>
+              <a:t>如果有一系列很细的亮点，或者暗点</a:t>
+            </a:r>
+            <a:r>
+              <a:rPr lang="en-US" altLang="zh-CN" sz="1000" dirty="0" smtClean="0"/>
+              <a:t/>
+            </a:r>
+            <a:br>
+              <a:rPr lang="en-US" altLang="zh-CN" sz="1000" dirty="0" smtClean="0"/>
+            </a:br>
+            <a:r>
+              <a:rPr lang="en-US" altLang="zh-CN" sz="1000" dirty="0" smtClean="0"/>
+              <a:t> </a:t>
+            </a:r>
+            <a:r>
+              <a:rPr lang="en-US" altLang="zh-CN" sz="1000" dirty="0" smtClean="0"/>
+              <a:t>  </a:t>
+            </a:r>
+            <a:r>
+              <a:rPr lang="zh-CN" altLang="en-US" sz="1000" dirty="0" smtClean="0"/>
+              <a:t>或者有一系列的和一边差值很大的点。</a:t>
+            </a:r>
+            <a:r>
+              <a:rPr lang="en-US" altLang="zh-CN" sz="1000" dirty="0" smtClean="0"/>
+              <a:t/>
+            </a:r>
+            <a:br>
+              <a:rPr lang="en-US" altLang="zh-CN" sz="1000" dirty="0" smtClean="0"/>
+            </a:br>
+            <a:r>
+              <a:rPr lang="en-US" altLang="zh-CN" sz="1000" dirty="0" smtClean="0"/>
+              <a:t> </a:t>
+            </a:r>
+            <a:r>
+              <a:rPr lang="en-US" altLang="zh-CN" sz="1000" dirty="0" smtClean="0"/>
+              <a:t>  </a:t>
+            </a:r>
+            <a:r>
+              <a:rPr lang="zh-CN" altLang="en-US" sz="1000" dirty="0" smtClean="0"/>
+              <a:t>或者有一系列</a:t>
+            </a:r>
+            <a:r>
+              <a:rPr lang="en-US" altLang="zh-CN" sz="1000" dirty="0" smtClean="0"/>
+              <a:t/>
+            </a:r>
+            <a:br>
+              <a:rPr lang="en-US" altLang="zh-CN" sz="1000" dirty="0" smtClean="0"/>
+            </a:br>
+            <a:r>
+              <a:rPr lang="en-US" altLang="zh-CN" sz="1000" dirty="0" smtClean="0"/>
+              <a:t/>
+            </a:r>
+            <a:br>
+              <a:rPr lang="en-US" altLang="zh-CN" sz="1000" dirty="0" smtClean="0"/>
+            </a:br>
+            <a:r>
+              <a:rPr lang="en-US" altLang="zh-CN" sz="1000" dirty="0" smtClean="0"/>
+              <a:t>----</a:t>
+            </a:r>
+            <a:r>
+              <a:rPr lang="zh-CN" altLang="en-US" sz="1000" dirty="0" smtClean="0"/>
+              <a:t>回到老路，完全迷失</a:t>
+            </a:r>
+            <a:r>
+              <a:rPr lang="en-US" altLang="zh-CN" sz="1000" dirty="0" smtClean="0"/>
+              <a:t/>
+            </a:r>
+            <a:br>
+              <a:rPr lang="en-US" altLang="zh-CN" sz="1000" dirty="0" smtClean="0"/>
+            </a:br>
+            <a:r>
+              <a:rPr lang="en-US" altLang="zh-CN" sz="1000" dirty="0" smtClean="0"/>
+              <a:t/>
+            </a:r>
+            <a:br>
+              <a:rPr lang="en-US" altLang="zh-CN" sz="1000" dirty="0" smtClean="0"/>
+            </a:br>
+            <a:r>
+              <a:rPr lang="en-US" altLang="zh-CN" sz="1000" dirty="0" smtClean="0"/>
+              <a:t/>
+            </a:r>
+            <a:br>
+              <a:rPr lang="en-US" altLang="zh-CN" sz="1000" dirty="0" smtClean="0"/>
+            </a:br>
+            <a:r>
+              <a:rPr lang="zh-CN" altLang="en-US" sz="1000" dirty="0" smtClean="0"/>
+              <a:t>仔细</a:t>
+            </a:r>
+            <a:r>
+              <a:rPr lang="zh-CN" altLang="en-US" sz="1000" dirty="0" smtClean="0"/>
+              <a:t>看看，图像似乎都像一座座泥雕，怎么去分析这些泥雕呢？</a:t>
+            </a:r>
+            <a:r>
+              <a:rPr lang="en-US" altLang="zh-CN" sz="1000" dirty="0" smtClean="0"/>
+              <a:t/>
+            </a:r>
+            <a:br>
+              <a:rPr lang="en-US" altLang="zh-CN" sz="1000" dirty="0" smtClean="0"/>
+            </a:br>
+            <a:endParaRPr lang="zh-CN" altLang="en-US" sz="1000" dirty="0"/>
+          </a:p>
+        </p:txBody>
+      </p:sp>
+      <p:pic>
+        <p:nvPicPr>
+          <p:cNvPr id="1026" name="Picture 2"/>
+          <p:cNvPicPr>
+            <a:picLocks noChangeAspect="1" noChangeArrowheads="1"/>
+          </p:cNvPicPr>
+          <p:nvPr/>
+        </p:nvPicPr>
+        <p:blipFill>
+          <a:blip r:embed="rId2"/>
+          <a:srcRect/>
+          <a:stretch>
+            <a:fillRect/>
+          </a:stretch>
+        </p:blipFill>
+        <p:spPr bwMode="auto">
+          <a:xfrm>
+            <a:off x="-3000428" y="3571876"/>
+            <a:ext cx="10160000" cy="5499100"/>
+          </a:xfrm>
+          <a:prstGeom prst="rect">
+            <a:avLst/>
+          </a:prstGeom>
+          <a:noFill/>
+          <a:ln w="9525">
+            <a:noFill/>
+            <a:miter lim="800000"/>
+            <a:headEnd/>
+            <a:tailEnd/>
+          </a:ln>
+          <a:effectLst/>
+        </p:spPr>
+      </p:pic>
+      <p:pic>
+        <p:nvPicPr>
+          <p:cNvPr id="1027" name="Picture 3"/>
+          <p:cNvPicPr>
+            <a:picLocks noChangeAspect="1" noChangeArrowheads="1"/>
+          </p:cNvPicPr>
+          <p:nvPr/>
+        </p:nvPicPr>
+        <p:blipFill>
+          <a:blip r:embed="rId3"/>
+          <a:srcRect/>
+          <a:stretch>
+            <a:fillRect/>
+          </a:stretch>
+        </p:blipFill>
+        <p:spPr bwMode="auto">
+          <a:xfrm>
+            <a:off x="6072198" y="3500438"/>
+            <a:ext cx="10160000" cy="5499100"/>
+          </a:xfrm>
+          <a:prstGeom prst="rect">
+            <a:avLst/>
+          </a:prstGeom>
+          <a:noFill/>
+          <a:ln w="9525">
+            <a:noFill/>
+            <a:miter lim="800000"/>
+            <a:headEnd/>
+            <a:tailEnd/>
+          </a:ln>
+          <a:effectLst/>
+        </p:spPr>
+      </p:pic>
+    </p:spTree>
+  </p:cSld>
+  <p:clrMapOvr>
+    <a:masterClrMapping/>
+  </p:clrMapOvr>
+</p:sld>
+</file>
+
 <file path=ppt/slides/slide2.xml><?xml version="1.0" encoding="utf-8"?>
 <p:sld xmlns:a="http://schemas.openxmlformats.org/drawingml/2006/main" xmlns:r="http://schemas.openxmlformats.org/officeDocument/2006/relationships" xmlns:p="http://schemas.openxmlformats.org/presentationml/2006/main">
   <p:cSld>

--- a/degrees.pptx
+++ b/degrees.pptx
@@ -23,6 +23,7 @@
     <p:sldId id="271" r:id="rId17"/>
     <p:sldId id="272" r:id="rId18"/>
     <p:sldId id="273" r:id="rId19"/>
+    <p:sldId id="274" r:id="rId20"/>
   </p:sldIdLst>
   <p:sldSz cx="9144000" cy="6858000" type="screen4x3"/>
   <p:notesSz cx="6858000" cy="9144000"/>
@@ -306,7 +307,7 @@
             <a:fld id="{AA971B17-06DA-4AA6-ADC8-94E2E0695DDE}" type="datetimeFigureOut">
               <a:rPr lang="zh-CN" altLang="en-US" smtClean="0"/>
               <a:pPr/>
-              <a:t>2014/11/23</a:t>
+              <a:t>2014/11/26</a:t>
             </a:fld>
             <a:endParaRPr lang="zh-CN" altLang="en-US"/>
           </a:p>
@@ -473,7 +474,7 @@
             <a:fld id="{AA971B17-06DA-4AA6-ADC8-94E2E0695DDE}" type="datetimeFigureOut">
               <a:rPr lang="zh-CN" altLang="en-US" smtClean="0"/>
               <a:pPr/>
-              <a:t>2014/11/23</a:t>
+              <a:t>2014/11/26</a:t>
             </a:fld>
             <a:endParaRPr lang="zh-CN" altLang="en-US"/>
           </a:p>
@@ -650,7 +651,7 @@
             <a:fld id="{AA971B17-06DA-4AA6-ADC8-94E2E0695DDE}" type="datetimeFigureOut">
               <a:rPr lang="zh-CN" altLang="en-US" smtClean="0"/>
               <a:pPr/>
-              <a:t>2014/11/23</a:t>
+              <a:t>2014/11/26</a:t>
             </a:fld>
             <a:endParaRPr lang="zh-CN" altLang="en-US"/>
           </a:p>
@@ -817,7 +818,7 @@
             <a:fld id="{AA971B17-06DA-4AA6-ADC8-94E2E0695DDE}" type="datetimeFigureOut">
               <a:rPr lang="zh-CN" altLang="en-US" smtClean="0"/>
               <a:pPr/>
-              <a:t>2014/11/23</a:t>
+              <a:t>2014/11/26</a:t>
             </a:fld>
             <a:endParaRPr lang="zh-CN" altLang="en-US"/>
           </a:p>
@@ -1060,7 +1061,7 @@
             <a:fld id="{AA971B17-06DA-4AA6-ADC8-94E2E0695DDE}" type="datetimeFigureOut">
               <a:rPr lang="zh-CN" altLang="en-US" smtClean="0"/>
               <a:pPr/>
-              <a:t>2014/11/23</a:t>
+              <a:t>2014/11/26</a:t>
             </a:fld>
             <a:endParaRPr lang="zh-CN" altLang="en-US"/>
           </a:p>
@@ -1345,7 +1346,7 @@
             <a:fld id="{AA971B17-06DA-4AA6-ADC8-94E2E0695DDE}" type="datetimeFigureOut">
               <a:rPr lang="zh-CN" altLang="en-US" smtClean="0"/>
               <a:pPr/>
-              <a:t>2014/11/23</a:t>
+              <a:t>2014/11/26</a:t>
             </a:fld>
             <a:endParaRPr lang="zh-CN" altLang="en-US"/>
           </a:p>
@@ -1764,7 +1765,7 @@
             <a:fld id="{AA971B17-06DA-4AA6-ADC8-94E2E0695DDE}" type="datetimeFigureOut">
               <a:rPr lang="zh-CN" altLang="en-US" smtClean="0"/>
               <a:pPr/>
-              <a:t>2014/11/23</a:t>
+              <a:t>2014/11/26</a:t>
             </a:fld>
             <a:endParaRPr lang="zh-CN" altLang="en-US"/>
           </a:p>
@@ -1879,7 +1880,7 @@
             <a:fld id="{AA971B17-06DA-4AA6-ADC8-94E2E0695DDE}" type="datetimeFigureOut">
               <a:rPr lang="zh-CN" altLang="en-US" smtClean="0"/>
               <a:pPr/>
-              <a:t>2014/11/23</a:t>
+              <a:t>2014/11/26</a:t>
             </a:fld>
             <a:endParaRPr lang="zh-CN" altLang="en-US"/>
           </a:p>
@@ -1971,7 +1972,7 @@
             <a:fld id="{AA971B17-06DA-4AA6-ADC8-94E2E0695DDE}" type="datetimeFigureOut">
               <a:rPr lang="zh-CN" altLang="en-US" smtClean="0"/>
               <a:pPr/>
-              <a:t>2014/11/23</a:t>
+              <a:t>2014/11/26</a:t>
             </a:fld>
             <a:endParaRPr lang="zh-CN" altLang="en-US"/>
           </a:p>
@@ -2245,7 +2246,7 @@
             <a:fld id="{AA971B17-06DA-4AA6-ADC8-94E2E0695DDE}" type="datetimeFigureOut">
               <a:rPr lang="zh-CN" altLang="en-US" smtClean="0"/>
               <a:pPr/>
-              <a:t>2014/11/23</a:t>
+              <a:t>2014/11/26</a:t>
             </a:fld>
             <a:endParaRPr lang="zh-CN" altLang="en-US"/>
           </a:p>
@@ -2495,7 +2496,7 @@
             <a:fld id="{AA971B17-06DA-4AA6-ADC8-94E2E0695DDE}" type="datetimeFigureOut">
               <a:rPr lang="zh-CN" altLang="en-US" smtClean="0"/>
               <a:pPr/>
-              <a:t>2014/11/23</a:t>
+              <a:t>2014/11/26</a:t>
             </a:fld>
             <a:endParaRPr lang="zh-CN" altLang="en-US"/>
           </a:p>
@@ -2705,7 +2706,7 @@
             <a:fld id="{AA971B17-06DA-4AA6-ADC8-94E2E0695DDE}" type="datetimeFigureOut">
               <a:rPr lang="zh-CN" altLang="en-US" smtClean="0"/>
               <a:pPr/>
-              <a:t>2014/11/23</a:t>
+              <a:t>2014/11/26</a:t>
             </a:fld>
             <a:endParaRPr lang="zh-CN" altLang="en-US"/>
           </a:p>
@@ -15856,11 +15857,7 @@
             </a:br>
             <a:r>
               <a:rPr lang="en-US" altLang="zh-CN" sz="1000" dirty="0" smtClean="0"/>
-              <a:t> </a:t>
-            </a:r>
-            <a:r>
-              <a:rPr lang="en-US" altLang="zh-CN" sz="1000" dirty="0" smtClean="0"/>
-              <a:t> </a:t>
+              <a:t>  </a:t>
             </a:r>
             <a:r>
               <a:rPr lang="zh-CN" altLang="en-US" sz="1000" dirty="0" smtClean="0"/>
@@ -15875,11 +15872,7 @@
             </a:br>
             <a:r>
               <a:rPr lang="en-US" altLang="zh-CN" sz="1000" dirty="0" smtClean="0"/>
-              <a:t> </a:t>
-            </a:r>
-            <a:r>
-              <a:rPr lang="en-US" altLang="zh-CN" sz="1000" dirty="0" smtClean="0"/>
-              <a:t>  </a:t>
+              <a:t>   </a:t>
             </a:r>
             <a:r>
               <a:rPr lang="zh-CN" altLang="en-US" sz="1000" dirty="0" smtClean="0"/>
@@ -15894,11 +15887,7 @@
             </a:br>
             <a:r>
               <a:rPr lang="en-US" altLang="zh-CN" sz="1000" dirty="0" smtClean="0"/>
-              <a:t> </a:t>
-            </a:r>
-            <a:r>
-              <a:rPr lang="en-US" altLang="zh-CN" sz="1000" dirty="0" smtClean="0"/>
-              <a:t>  </a:t>
+              <a:t>   </a:t>
             </a:r>
             <a:r>
               <a:rPr lang="zh-CN" altLang="en-US" sz="1000" dirty="0" smtClean="0"/>
@@ -15949,11 +15938,7 @@
             </a:br>
             <a:r>
               <a:rPr lang="zh-CN" altLang="en-US" sz="1000" dirty="0" smtClean="0"/>
-              <a:t>仔细</a:t>
-            </a:r>
-            <a:r>
-              <a:rPr lang="zh-CN" altLang="en-US" sz="1000" dirty="0" smtClean="0"/>
-              <a:t>看看，图像似乎都像一座座泥雕，怎么去分析这些泥雕呢？</a:t>
+              <a:t>仔细看看，图像似乎都像一座座泥雕，怎么去分析这些泥雕呢？</a:t>
             </a:r>
             <a:r>
               <a:rPr lang="en-US" altLang="zh-CN" sz="1000" dirty="0" smtClean="0"/>
@@ -16032,6 +16017,1185 @@
           <a:effectLst/>
         </p:spPr>
       </p:pic>
+    </p:spTree>
+  </p:cSld>
+  <p:clrMapOvr>
+    <a:masterClrMapping/>
+  </p:clrMapOvr>
+</p:sld>
+</file>
+
+<file path=ppt/slides/slide19.xml><?xml version="1.0" encoding="utf-8"?>
+<p:sld xmlns:a="http://schemas.openxmlformats.org/drawingml/2006/main" xmlns:r="http://schemas.openxmlformats.org/officeDocument/2006/relationships" xmlns:p="http://schemas.openxmlformats.org/presentationml/2006/main">
+  <p:cSld>
+    <p:spTree>
+      <p:nvGrpSpPr>
+        <p:cNvPr id="1" name=""/>
+        <p:cNvGrpSpPr/>
+        <p:nvPr/>
+      </p:nvGrpSpPr>
+      <p:grpSpPr>
+        <a:xfrm>
+          <a:off x="0" y="0"/>
+          <a:ext cx="0" cy="0"/>
+          <a:chOff x="0" y="0"/>
+          <a:chExt cx="0" cy="0"/>
+        </a:xfrm>
+      </p:grpSpPr>
+      <p:sp>
+        <p:nvSpPr>
+          <p:cNvPr id="2" name="矩形 1"/>
+          <p:cNvSpPr/>
+          <p:nvPr/>
+        </p:nvSpPr>
+        <p:spPr>
+          <a:xfrm>
+            <a:off x="285720" y="2357430"/>
+            <a:ext cx="285752" cy="285752"/>
+          </a:xfrm>
+          <a:prstGeom prst="rect">
+            <a:avLst/>
+          </a:prstGeom>
+        </p:spPr>
+        <p:style>
+          <a:lnRef idx="2">
+            <a:schemeClr val="accent1">
+              <a:shade val="50000"/>
+            </a:schemeClr>
+          </a:lnRef>
+          <a:fillRef idx="1">
+            <a:schemeClr val="accent1"/>
+          </a:fillRef>
+          <a:effectRef idx="0">
+            <a:schemeClr val="accent1"/>
+          </a:effectRef>
+          <a:fontRef idx="minor">
+            <a:schemeClr val="lt1"/>
+          </a:fontRef>
+        </p:style>
+        <p:txBody>
+          <a:bodyPr rtlCol="0" anchor="ctr"/>
+          <a:lstStyle/>
+          <a:p>
+            <a:pPr algn="ctr"/>
+            <a:endParaRPr lang="zh-CN" altLang="en-US"/>
+          </a:p>
+        </p:txBody>
+      </p:sp>
+      <p:sp>
+        <p:nvSpPr>
+          <p:cNvPr id="3" name="矩形 2"/>
+          <p:cNvSpPr/>
+          <p:nvPr/>
+        </p:nvSpPr>
+        <p:spPr>
+          <a:xfrm>
+            <a:off x="785786" y="2357430"/>
+            <a:ext cx="285752" cy="285752"/>
+          </a:xfrm>
+          <a:prstGeom prst="rect">
+            <a:avLst/>
+          </a:prstGeom>
+        </p:spPr>
+        <p:style>
+          <a:lnRef idx="2">
+            <a:schemeClr val="accent1">
+              <a:shade val="50000"/>
+            </a:schemeClr>
+          </a:lnRef>
+          <a:fillRef idx="1">
+            <a:schemeClr val="accent1"/>
+          </a:fillRef>
+          <a:effectRef idx="0">
+            <a:schemeClr val="accent1"/>
+          </a:effectRef>
+          <a:fontRef idx="minor">
+            <a:schemeClr val="lt1"/>
+          </a:fontRef>
+        </p:style>
+        <p:txBody>
+          <a:bodyPr rtlCol="0" anchor="ctr"/>
+          <a:lstStyle/>
+          <a:p>
+            <a:pPr algn="ctr"/>
+            <a:endParaRPr lang="zh-CN" altLang="en-US"/>
+          </a:p>
+        </p:txBody>
+      </p:sp>
+      <p:sp>
+        <p:nvSpPr>
+          <p:cNvPr id="4" name="矩形 3"/>
+          <p:cNvSpPr/>
+          <p:nvPr/>
+        </p:nvSpPr>
+        <p:spPr>
+          <a:xfrm>
+            <a:off x="1285852" y="2357430"/>
+            <a:ext cx="285752" cy="285752"/>
+          </a:xfrm>
+          <a:prstGeom prst="rect">
+            <a:avLst/>
+          </a:prstGeom>
+        </p:spPr>
+        <p:style>
+          <a:lnRef idx="2">
+            <a:schemeClr val="accent1">
+              <a:shade val="50000"/>
+            </a:schemeClr>
+          </a:lnRef>
+          <a:fillRef idx="1">
+            <a:schemeClr val="accent1"/>
+          </a:fillRef>
+          <a:effectRef idx="0">
+            <a:schemeClr val="accent1"/>
+          </a:effectRef>
+          <a:fontRef idx="minor">
+            <a:schemeClr val="lt1"/>
+          </a:fontRef>
+        </p:style>
+        <p:txBody>
+          <a:bodyPr rtlCol="0" anchor="ctr"/>
+          <a:lstStyle/>
+          <a:p>
+            <a:pPr algn="ctr"/>
+            <a:endParaRPr lang="zh-CN" altLang="en-US"/>
+          </a:p>
+        </p:txBody>
+      </p:sp>
+      <p:sp>
+        <p:nvSpPr>
+          <p:cNvPr id="5" name="矩形 4"/>
+          <p:cNvSpPr/>
+          <p:nvPr/>
+        </p:nvSpPr>
+        <p:spPr>
+          <a:xfrm>
+            <a:off x="1785918" y="2357430"/>
+            <a:ext cx="285752" cy="285752"/>
+          </a:xfrm>
+          <a:prstGeom prst="rect">
+            <a:avLst/>
+          </a:prstGeom>
+        </p:spPr>
+        <p:style>
+          <a:lnRef idx="2">
+            <a:schemeClr val="accent1">
+              <a:shade val="50000"/>
+            </a:schemeClr>
+          </a:lnRef>
+          <a:fillRef idx="1">
+            <a:schemeClr val="accent1"/>
+          </a:fillRef>
+          <a:effectRef idx="0">
+            <a:schemeClr val="accent1"/>
+          </a:effectRef>
+          <a:fontRef idx="minor">
+            <a:schemeClr val="lt1"/>
+          </a:fontRef>
+        </p:style>
+        <p:txBody>
+          <a:bodyPr rtlCol="0" anchor="ctr"/>
+          <a:lstStyle/>
+          <a:p>
+            <a:pPr algn="ctr"/>
+            <a:endParaRPr lang="zh-CN" altLang="en-US"/>
+          </a:p>
+        </p:txBody>
+      </p:sp>
+      <p:sp>
+        <p:nvSpPr>
+          <p:cNvPr id="6" name="矩形 5"/>
+          <p:cNvSpPr/>
+          <p:nvPr/>
+        </p:nvSpPr>
+        <p:spPr>
+          <a:xfrm>
+            <a:off x="2214546" y="2357430"/>
+            <a:ext cx="285752" cy="285752"/>
+          </a:xfrm>
+          <a:prstGeom prst="rect">
+            <a:avLst/>
+          </a:prstGeom>
+        </p:spPr>
+        <p:style>
+          <a:lnRef idx="2">
+            <a:schemeClr val="accent1">
+              <a:shade val="50000"/>
+            </a:schemeClr>
+          </a:lnRef>
+          <a:fillRef idx="1">
+            <a:schemeClr val="accent1"/>
+          </a:fillRef>
+          <a:effectRef idx="0">
+            <a:schemeClr val="accent1"/>
+          </a:effectRef>
+          <a:fontRef idx="minor">
+            <a:schemeClr val="lt1"/>
+          </a:fontRef>
+        </p:style>
+        <p:txBody>
+          <a:bodyPr rtlCol="0" anchor="ctr"/>
+          <a:lstStyle/>
+          <a:p>
+            <a:pPr algn="ctr"/>
+            <a:endParaRPr lang="zh-CN" altLang="en-US"/>
+          </a:p>
+        </p:txBody>
+      </p:sp>
+      <p:sp>
+        <p:nvSpPr>
+          <p:cNvPr id="7" name="矩形 6"/>
+          <p:cNvSpPr/>
+          <p:nvPr/>
+        </p:nvSpPr>
+        <p:spPr>
+          <a:xfrm>
+            <a:off x="2714612" y="2357430"/>
+            <a:ext cx="285752" cy="285752"/>
+          </a:xfrm>
+          <a:prstGeom prst="rect">
+            <a:avLst/>
+          </a:prstGeom>
+        </p:spPr>
+        <p:style>
+          <a:lnRef idx="2">
+            <a:schemeClr val="accent1">
+              <a:shade val="50000"/>
+            </a:schemeClr>
+          </a:lnRef>
+          <a:fillRef idx="1">
+            <a:schemeClr val="accent1"/>
+          </a:fillRef>
+          <a:effectRef idx="0">
+            <a:schemeClr val="accent1"/>
+          </a:effectRef>
+          <a:fontRef idx="minor">
+            <a:schemeClr val="lt1"/>
+          </a:fontRef>
+        </p:style>
+        <p:txBody>
+          <a:bodyPr rtlCol="0" anchor="ctr"/>
+          <a:lstStyle/>
+          <a:p>
+            <a:pPr algn="ctr"/>
+            <a:endParaRPr lang="zh-CN" altLang="en-US"/>
+          </a:p>
+        </p:txBody>
+      </p:sp>
+      <p:sp>
+        <p:nvSpPr>
+          <p:cNvPr id="8" name="矩形 7"/>
+          <p:cNvSpPr/>
+          <p:nvPr/>
+        </p:nvSpPr>
+        <p:spPr>
+          <a:xfrm>
+            <a:off x="3214678" y="2357430"/>
+            <a:ext cx="285752" cy="285752"/>
+          </a:xfrm>
+          <a:prstGeom prst="rect">
+            <a:avLst/>
+          </a:prstGeom>
+        </p:spPr>
+        <p:style>
+          <a:lnRef idx="2">
+            <a:schemeClr val="accent1">
+              <a:shade val="50000"/>
+            </a:schemeClr>
+          </a:lnRef>
+          <a:fillRef idx="1">
+            <a:schemeClr val="accent1"/>
+          </a:fillRef>
+          <a:effectRef idx="0">
+            <a:schemeClr val="accent1"/>
+          </a:effectRef>
+          <a:fontRef idx="minor">
+            <a:schemeClr val="lt1"/>
+          </a:fontRef>
+        </p:style>
+        <p:txBody>
+          <a:bodyPr rtlCol="0" anchor="ctr"/>
+          <a:lstStyle/>
+          <a:p>
+            <a:pPr algn="ctr"/>
+            <a:endParaRPr lang="zh-CN" altLang="en-US"/>
+          </a:p>
+        </p:txBody>
+      </p:sp>
+      <p:sp>
+        <p:nvSpPr>
+          <p:cNvPr id="9" name="矩形 8"/>
+          <p:cNvSpPr/>
+          <p:nvPr/>
+        </p:nvSpPr>
+        <p:spPr>
+          <a:xfrm>
+            <a:off x="3714744" y="2357430"/>
+            <a:ext cx="285752" cy="285752"/>
+          </a:xfrm>
+          <a:prstGeom prst="rect">
+            <a:avLst/>
+          </a:prstGeom>
+        </p:spPr>
+        <p:style>
+          <a:lnRef idx="2">
+            <a:schemeClr val="accent1">
+              <a:shade val="50000"/>
+            </a:schemeClr>
+          </a:lnRef>
+          <a:fillRef idx="1">
+            <a:schemeClr val="accent1"/>
+          </a:fillRef>
+          <a:effectRef idx="0">
+            <a:schemeClr val="accent1"/>
+          </a:effectRef>
+          <a:fontRef idx="minor">
+            <a:schemeClr val="lt1"/>
+          </a:fontRef>
+        </p:style>
+        <p:txBody>
+          <a:bodyPr rtlCol="0" anchor="ctr"/>
+          <a:lstStyle/>
+          <a:p>
+            <a:pPr algn="ctr"/>
+            <a:endParaRPr lang="zh-CN" altLang="en-US"/>
+          </a:p>
+        </p:txBody>
+      </p:sp>
+      <p:sp>
+        <p:nvSpPr>
+          <p:cNvPr id="10" name="矩形 9"/>
+          <p:cNvSpPr/>
+          <p:nvPr/>
+        </p:nvSpPr>
+        <p:spPr>
+          <a:xfrm>
+            <a:off x="4214810" y="2357430"/>
+            <a:ext cx="285752" cy="285752"/>
+          </a:xfrm>
+          <a:prstGeom prst="rect">
+            <a:avLst/>
+          </a:prstGeom>
+        </p:spPr>
+        <p:style>
+          <a:lnRef idx="2">
+            <a:schemeClr val="accent1">
+              <a:shade val="50000"/>
+            </a:schemeClr>
+          </a:lnRef>
+          <a:fillRef idx="1">
+            <a:schemeClr val="accent1"/>
+          </a:fillRef>
+          <a:effectRef idx="0">
+            <a:schemeClr val="accent1"/>
+          </a:effectRef>
+          <a:fontRef idx="minor">
+            <a:schemeClr val="lt1"/>
+          </a:fontRef>
+        </p:style>
+        <p:txBody>
+          <a:bodyPr rtlCol="0" anchor="ctr"/>
+          <a:lstStyle/>
+          <a:p>
+            <a:pPr algn="ctr"/>
+            <a:endParaRPr lang="zh-CN" altLang="en-US"/>
+          </a:p>
+        </p:txBody>
+      </p:sp>
+      <p:sp>
+        <p:nvSpPr>
+          <p:cNvPr id="11" name="矩形 10"/>
+          <p:cNvSpPr/>
+          <p:nvPr/>
+        </p:nvSpPr>
+        <p:spPr>
+          <a:xfrm>
+            <a:off x="4714876" y="2357430"/>
+            <a:ext cx="285752" cy="285752"/>
+          </a:xfrm>
+          <a:prstGeom prst="rect">
+            <a:avLst/>
+          </a:prstGeom>
+        </p:spPr>
+        <p:style>
+          <a:lnRef idx="2">
+            <a:schemeClr val="accent1">
+              <a:shade val="50000"/>
+            </a:schemeClr>
+          </a:lnRef>
+          <a:fillRef idx="1">
+            <a:schemeClr val="accent1"/>
+          </a:fillRef>
+          <a:effectRef idx="0">
+            <a:schemeClr val="accent1"/>
+          </a:effectRef>
+          <a:fontRef idx="minor">
+            <a:schemeClr val="lt1"/>
+          </a:fontRef>
+        </p:style>
+        <p:txBody>
+          <a:bodyPr rtlCol="0" anchor="ctr"/>
+          <a:lstStyle/>
+          <a:p>
+            <a:pPr algn="ctr"/>
+            <a:endParaRPr lang="zh-CN" altLang="en-US"/>
+          </a:p>
+        </p:txBody>
+      </p:sp>
+      <p:sp>
+        <p:nvSpPr>
+          <p:cNvPr id="12" name="矩形 11"/>
+          <p:cNvSpPr/>
+          <p:nvPr/>
+        </p:nvSpPr>
+        <p:spPr>
+          <a:xfrm>
+            <a:off x="5214942" y="2357430"/>
+            <a:ext cx="285752" cy="285752"/>
+          </a:xfrm>
+          <a:prstGeom prst="rect">
+            <a:avLst/>
+          </a:prstGeom>
+        </p:spPr>
+        <p:style>
+          <a:lnRef idx="2">
+            <a:schemeClr val="accent1">
+              <a:shade val="50000"/>
+            </a:schemeClr>
+          </a:lnRef>
+          <a:fillRef idx="1">
+            <a:schemeClr val="accent1"/>
+          </a:fillRef>
+          <a:effectRef idx="0">
+            <a:schemeClr val="accent1"/>
+          </a:effectRef>
+          <a:fontRef idx="minor">
+            <a:schemeClr val="lt1"/>
+          </a:fontRef>
+        </p:style>
+        <p:txBody>
+          <a:bodyPr rtlCol="0" anchor="ctr"/>
+          <a:lstStyle/>
+          <a:p>
+            <a:pPr algn="ctr"/>
+            <a:endParaRPr lang="zh-CN" altLang="en-US"/>
+          </a:p>
+        </p:txBody>
+      </p:sp>
+      <p:sp>
+        <p:nvSpPr>
+          <p:cNvPr id="13" name="矩形 12"/>
+          <p:cNvSpPr/>
+          <p:nvPr/>
+        </p:nvSpPr>
+        <p:spPr>
+          <a:xfrm>
+            <a:off x="5715008" y="2357430"/>
+            <a:ext cx="285752" cy="285752"/>
+          </a:xfrm>
+          <a:prstGeom prst="rect">
+            <a:avLst/>
+          </a:prstGeom>
+        </p:spPr>
+        <p:style>
+          <a:lnRef idx="2">
+            <a:schemeClr val="accent1">
+              <a:shade val="50000"/>
+            </a:schemeClr>
+          </a:lnRef>
+          <a:fillRef idx="1">
+            <a:schemeClr val="accent1"/>
+          </a:fillRef>
+          <a:effectRef idx="0">
+            <a:schemeClr val="accent1"/>
+          </a:effectRef>
+          <a:fontRef idx="minor">
+            <a:schemeClr val="lt1"/>
+          </a:fontRef>
+        </p:style>
+        <p:txBody>
+          <a:bodyPr rtlCol="0" anchor="ctr"/>
+          <a:lstStyle/>
+          <a:p>
+            <a:pPr algn="ctr"/>
+            <a:endParaRPr lang="zh-CN" altLang="en-US"/>
+          </a:p>
+        </p:txBody>
+      </p:sp>
+      <p:sp>
+        <p:nvSpPr>
+          <p:cNvPr id="14" name="矩形 13"/>
+          <p:cNvSpPr/>
+          <p:nvPr/>
+        </p:nvSpPr>
+        <p:spPr>
+          <a:xfrm>
+            <a:off x="6143636" y="2357430"/>
+            <a:ext cx="285752" cy="285752"/>
+          </a:xfrm>
+          <a:prstGeom prst="rect">
+            <a:avLst/>
+          </a:prstGeom>
+        </p:spPr>
+        <p:style>
+          <a:lnRef idx="2">
+            <a:schemeClr val="accent1">
+              <a:shade val="50000"/>
+            </a:schemeClr>
+          </a:lnRef>
+          <a:fillRef idx="1">
+            <a:schemeClr val="accent1"/>
+          </a:fillRef>
+          <a:effectRef idx="0">
+            <a:schemeClr val="accent1"/>
+          </a:effectRef>
+          <a:fontRef idx="minor">
+            <a:schemeClr val="lt1"/>
+          </a:fontRef>
+        </p:style>
+        <p:txBody>
+          <a:bodyPr rtlCol="0" anchor="ctr"/>
+          <a:lstStyle/>
+          <a:p>
+            <a:pPr algn="ctr"/>
+            <a:endParaRPr lang="zh-CN" altLang="en-US"/>
+          </a:p>
+        </p:txBody>
+      </p:sp>
+      <p:sp>
+        <p:nvSpPr>
+          <p:cNvPr id="15" name="矩形 14"/>
+          <p:cNvSpPr/>
+          <p:nvPr/>
+        </p:nvSpPr>
+        <p:spPr>
+          <a:xfrm>
+            <a:off x="6643702" y="2357430"/>
+            <a:ext cx="285752" cy="285752"/>
+          </a:xfrm>
+          <a:prstGeom prst="rect">
+            <a:avLst/>
+          </a:prstGeom>
+        </p:spPr>
+        <p:style>
+          <a:lnRef idx="2">
+            <a:schemeClr val="accent1">
+              <a:shade val="50000"/>
+            </a:schemeClr>
+          </a:lnRef>
+          <a:fillRef idx="1">
+            <a:schemeClr val="accent1"/>
+          </a:fillRef>
+          <a:effectRef idx="0">
+            <a:schemeClr val="accent1"/>
+          </a:effectRef>
+          <a:fontRef idx="minor">
+            <a:schemeClr val="lt1"/>
+          </a:fontRef>
+        </p:style>
+        <p:txBody>
+          <a:bodyPr rtlCol="0" anchor="ctr"/>
+          <a:lstStyle/>
+          <a:p>
+            <a:pPr algn="ctr"/>
+            <a:endParaRPr lang="zh-CN" altLang="en-US"/>
+          </a:p>
+        </p:txBody>
+      </p:sp>
+      <p:sp>
+        <p:nvSpPr>
+          <p:cNvPr id="16" name="矩形 15"/>
+          <p:cNvSpPr/>
+          <p:nvPr/>
+        </p:nvSpPr>
+        <p:spPr>
+          <a:xfrm>
+            <a:off x="7143768" y="2357430"/>
+            <a:ext cx="285752" cy="285752"/>
+          </a:xfrm>
+          <a:prstGeom prst="rect">
+            <a:avLst/>
+          </a:prstGeom>
+        </p:spPr>
+        <p:style>
+          <a:lnRef idx="2">
+            <a:schemeClr val="accent1">
+              <a:shade val="50000"/>
+            </a:schemeClr>
+          </a:lnRef>
+          <a:fillRef idx="1">
+            <a:schemeClr val="accent1"/>
+          </a:fillRef>
+          <a:effectRef idx="0">
+            <a:schemeClr val="accent1"/>
+          </a:effectRef>
+          <a:fontRef idx="minor">
+            <a:schemeClr val="lt1"/>
+          </a:fontRef>
+        </p:style>
+        <p:txBody>
+          <a:bodyPr rtlCol="0" anchor="ctr"/>
+          <a:lstStyle/>
+          <a:p>
+            <a:pPr algn="ctr"/>
+            <a:endParaRPr lang="zh-CN" altLang="en-US"/>
+          </a:p>
+        </p:txBody>
+      </p:sp>
+      <p:sp>
+        <p:nvSpPr>
+          <p:cNvPr id="17" name="矩形 16"/>
+          <p:cNvSpPr/>
+          <p:nvPr/>
+        </p:nvSpPr>
+        <p:spPr>
+          <a:xfrm>
+            <a:off x="7643834" y="2357430"/>
+            <a:ext cx="285752" cy="285752"/>
+          </a:xfrm>
+          <a:prstGeom prst="rect">
+            <a:avLst/>
+          </a:prstGeom>
+        </p:spPr>
+        <p:style>
+          <a:lnRef idx="2">
+            <a:schemeClr val="accent1">
+              <a:shade val="50000"/>
+            </a:schemeClr>
+          </a:lnRef>
+          <a:fillRef idx="1">
+            <a:schemeClr val="accent1"/>
+          </a:fillRef>
+          <a:effectRef idx="0">
+            <a:schemeClr val="accent1"/>
+          </a:effectRef>
+          <a:fontRef idx="minor">
+            <a:schemeClr val="lt1"/>
+          </a:fontRef>
+        </p:style>
+        <p:txBody>
+          <a:bodyPr rtlCol="0" anchor="ctr"/>
+          <a:lstStyle/>
+          <a:p>
+            <a:pPr algn="ctr"/>
+            <a:endParaRPr lang="zh-CN" altLang="en-US"/>
+          </a:p>
+        </p:txBody>
+      </p:sp>
+      <p:sp>
+        <p:nvSpPr>
+          <p:cNvPr id="18" name="矩形 17"/>
+          <p:cNvSpPr/>
+          <p:nvPr/>
+        </p:nvSpPr>
+        <p:spPr>
+          <a:xfrm>
+            <a:off x="8072462" y="2357430"/>
+            <a:ext cx="285752" cy="285752"/>
+          </a:xfrm>
+          <a:prstGeom prst="rect">
+            <a:avLst/>
+          </a:prstGeom>
+        </p:spPr>
+        <p:style>
+          <a:lnRef idx="2">
+            <a:schemeClr val="accent1">
+              <a:shade val="50000"/>
+            </a:schemeClr>
+          </a:lnRef>
+          <a:fillRef idx="1">
+            <a:schemeClr val="accent1"/>
+          </a:fillRef>
+          <a:effectRef idx="0">
+            <a:schemeClr val="accent1"/>
+          </a:effectRef>
+          <a:fontRef idx="minor">
+            <a:schemeClr val="lt1"/>
+          </a:fontRef>
+        </p:style>
+        <p:txBody>
+          <a:bodyPr rtlCol="0" anchor="ctr"/>
+          <a:lstStyle/>
+          <a:p>
+            <a:pPr algn="ctr"/>
+            <a:endParaRPr lang="zh-CN" altLang="en-US"/>
+          </a:p>
+        </p:txBody>
+      </p:sp>
+      <p:sp>
+        <p:nvSpPr>
+          <p:cNvPr id="19" name="矩形 18"/>
+          <p:cNvSpPr/>
+          <p:nvPr/>
+        </p:nvSpPr>
+        <p:spPr>
+          <a:xfrm>
+            <a:off x="8572528" y="2357430"/>
+            <a:ext cx="285752" cy="285752"/>
+          </a:xfrm>
+          <a:prstGeom prst="rect">
+            <a:avLst/>
+          </a:prstGeom>
+        </p:spPr>
+        <p:style>
+          <a:lnRef idx="2">
+            <a:schemeClr val="accent1">
+              <a:shade val="50000"/>
+            </a:schemeClr>
+          </a:lnRef>
+          <a:fillRef idx="1">
+            <a:schemeClr val="accent1"/>
+          </a:fillRef>
+          <a:effectRef idx="0">
+            <a:schemeClr val="accent1"/>
+          </a:effectRef>
+          <a:fontRef idx="minor">
+            <a:schemeClr val="lt1"/>
+          </a:fontRef>
+        </p:style>
+        <p:txBody>
+          <a:bodyPr rtlCol="0" anchor="ctr"/>
+          <a:lstStyle/>
+          <a:p>
+            <a:pPr algn="ctr"/>
+            <a:endParaRPr lang="zh-CN" altLang="en-US"/>
+          </a:p>
+        </p:txBody>
+      </p:sp>
+      <p:sp>
+        <p:nvSpPr>
+          <p:cNvPr id="20" name="矩形 19"/>
+          <p:cNvSpPr/>
+          <p:nvPr/>
+        </p:nvSpPr>
+        <p:spPr>
+          <a:xfrm>
+            <a:off x="2786050" y="714356"/>
+            <a:ext cx="1500198" cy="914400"/>
+          </a:xfrm>
+          <a:prstGeom prst="rect">
+            <a:avLst/>
+          </a:prstGeom>
+        </p:spPr>
+        <p:style>
+          <a:lnRef idx="2">
+            <a:schemeClr val="accent1">
+              <a:shade val="50000"/>
+            </a:schemeClr>
+          </a:lnRef>
+          <a:fillRef idx="1">
+            <a:schemeClr val="accent1"/>
+          </a:fillRef>
+          <a:effectRef idx="0">
+            <a:schemeClr val="accent1"/>
+          </a:effectRef>
+          <a:fontRef idx="minor">
+            <a:schemeClr val="lt1"/>
+          </a:fontRef>
+        </p:style>
+        <p:txBody>
+          <a:bodyPr rtlCol="0" anchor="ctr"/>
+          <a:lstStyle/>
+          <a:p>
+            <a:pPr algn="ctr"/>
+            <a:r>
+              <a:rPr lang="zh-CN" altLang="en-US" dirty="0" smtClean="0"/>
+              <a:t>第一类！</a:t>
+            </a:r>
+            <a:endParaRPr lang="zh-CN" altLang="en-US" dirty="0"/>
+          </a:p>
+        </p:txBody>
+      </p:sp>
+      <p:sp>
+        <p:nvSpPr>
+          <p:cNvPr id="21" name="矩形 20"/>
+          <p:cNvSpPr/>
+          <p:nvPr/>
+        </p:nvSpPr>
+        <p:spPr>
+          <a:xfrm>
+            <a:off x="3000364" y="3143248"/>
+            <a:ext cx="1500198" cy="914400"/>
+          </a:xfrm>
+          <a:prstGeom prst="rect">
+            <a:avLst/>
+          </a:prstGeom>
+        </p:spPr>
+        <p:style>
+          <a:lnRef idx="2">
+            <a:schemeClr val="accent1">
+              <a:shade val="50000"/>
+            </a:schemeClr>
+          </a:lnRef>
+          <a:fillRef idx="1">
+            <a:schemeClr val="accent1"/>
+          </a:fillRef>
+          <a:effectRef idx="0">
+            <a:schemeClr val="accent1"/>
+          </a:effectRef>
+          <a:fontRef idx="minor">
+            <a:schemeClr val="lt1"/>
+          </a:fontRef>
+        </p:style>
+        <p:txBody>
+          <a:bodyPr rtlCol="0" anchor="ctr"/>
+          <a:lstStyle/>
+          <a:p>
+            <a:pPr algn="ctr"/>
+            <a:r>
+              <a:rPr lang="zh-CN" altLang="en-US" dirty="0" smtClean="0"/>
+              <a:t>第二类！</a:t>
+            </a:r>
+            <a:endParaRPr lang="zh-CN" altLang="en-US" dirty="0"/>
+          </a:p>
+        </p:txBody>
+      </p:sp>
+      <p:cxnSp>
+        <p:nvCxnSpPr>
+          <p:cNvPr id="23" name="直接箭头连接符 22"/>
+          <p:cNvCxnSpPr>
+            <a:stCxn id="2" idx="0"/>
+          </p:cNvCxnSpPr>
+          <p:nvPr/>
+        </p:nvCxnSpPr>
+        <p:spPr>
+          <a:xfrm rot="5400000" flipH="1" flipV="1">
+            <a:off x="1357290" y="714356"/>
+            <a:ext cx="714380" cy="2571768"/>
+          </a:xfrm>
+          <a:prstGeom prst="straightConnector1">
+            <a:avLst/>
+          </a:prstGeom>
+          <a:ln>
+            <a:tailEnd type="arrow"/>
+          </a:ln>
+        </p:spPr>
+        <p:style>
+          <a:lnRef idx="1">
+            <a:schemeClr val="accent1"/>
+          </a:lnRef>
+          <a:fillRef idx="0">
+            <a:schemeClr val="accent1"/>
+          </a:fillRef>
+          <a:effectRef idx="0">
+            <a:schemeClr val="accent1"/>
+          </a:effectRef>
+          <a:fontRef idx="minor">
+            <a:schemeClr val="tx1"/>
+          </a:fontRef>
+        </p:style>
+      </p:cxnSp>
+      <p:cxnSp>
+        <p:nvCxnSpPr>
+          <p:cNvPr id="25" name="直接箭头连接符 24"/>
+          <p:cNvCxnSpPr>
+            <a:stCxn id="3" idx="0"/>
+          </p:cNvCxnSpPr>
+          <p:nvPr/>
+        </p:nvCxnSpPr>
+        <p:spPr>
+          <a:xfrm rot="5400000" flipH="1" flipV="1">
+            <a:off x="1643042" y="1000108"/>
+            <a:ext cx="642942" cy="2071702"/>
+          </a:xfrm>
+          <a:prstGeom prst="straightConnector1">
+            <a:avLst/>
+          </a:prstGeom>
+          <a:ln>
+            <a:tailEnd type="arrow"/>
+          </a:ln>
+        </p:spPr>
+        <p:style>
+          <a:lnRef idx="1">
+            <a:schemeClr val="accent1"/>
+          </a:lnRef>
+          <a:fillRef idx="0">
+            <a:schemeClr val="accent1"/>
+          </a:fillRef>
+          <a:effectRef idx="0">
+            <a:schemeClr val="accent1"/>
+          </a:effectRef>
+          <a:fontRef idx="minor">
+            <a:schemeClr val="tx1"/>
+          </a:fontRef>
+        </p:style>
+      </p:cxnSp>
+      <p:cxnSp>
+        <p:nvCxnSpPr>
+          <p:cNvPr id="27" name="直接箭头连接符 26"/>
+          <p:cNvCxnSpPr>
+            <a:stCxn id="9" idx="0"/>
+            <a:endCxn id="20" idx="2"/>
+          </p:cNvCxnSpPr>
+          <p:nvPr/>
+        </p:nvCxnSpPr>
+        <p:spPr>
+          <a:xfrm rot="16200000" flipV="1">
+            <a:off x="3332548" y="1832357"/>
+            <a:ext cx="728674" cy="321471"/>
+          </a:xfrm>
+          <a:prstGeom prst="straightConnector1">
+            <a:avLst/>
+          </a:prstGeom>
+          <a:ln>
+            <a:tailEnd type="arrow"/>
+          </a:ln>
+        </p:spPr>
+        <p:style>
+          <a:lnRef idx="1">
+            <a:schemeClr val="accent1"/>
+          </a:lnRef>
+          <a:fillRef idx="0">
+            <a:schemeClr val="accent1"/>
+          </a:fillRef>
+          <a:effectRef idx="0">
+            <a:schemeClr val="accent1"/>
+          </a:effectRef>
+          <a:fontRef idx="minor">
+            <a:schemeClr val="tx1"/>
+          </a:fontRef>
+        </p:style>
+      </p:cxnSp>
+      <p:cxnSp>
+        <p:nvCxnSpPr>
+          <p:cNvPr id="29" name="直接箭头连接符 28"/>
+          <p:cNvCxnSpPr>
+            <a:stCxn id="11" idx="0"/>
+            <a:endCxn id="20" idx="2"/>
+          </p:cNvCxnSpPr>
+          <p:nvPr/>
+        </p:nvCxnSpPr>
+        <p:spPr>
+          <a:xfrm rot="16200000" flipV="1">
+            <a:off x="3832614" y="1332291"/>
+            <a:ext cx="728674" cy="1321603"/>
+          </a:xfrm>
+          <a:prstGeom prst="straightConnector1">
+            <a:avLst/>
+          </a:prstGeom>
+          <a:ln>
+            <a:tailEnd type="arrow"/>
+          </a:ln>
+        </p:spPr>
+        <p:style>
+          <a:lnRef idx="1">
+            <a:schemeClr val="accent1"/>
+          </a:lnRef>
+          <a:fillRef idx="0">
+            <a:schemeClr val="accent1"/>
+          </a:fillRef>
+          <a:effectRef idx="0">
+            <a:schemeClr val="accent1"/>
+          </a:effectRef>
+          <a:fontRef idx="minor">
+            <a:schemeClr val="tx1"/>
+          </a:fontRef>
+        </p:style>
+      </p:cxnSp>
+      <p:cxnSp>
+        <p:nvCxnSpPr>
+          <p:cNvPr id="31" name="直接箭头连接符 30"/>
+          <p:cNvCxnSpPr>
+            <a:stCxn id="4" idx="2"/>
+            <a:endCxn id="21" idx="0"/>
+          </p:cNvCxnSpPr>
+          <p:nvPr/>
+        </p:nvCxnSpPr>
+        <p:spPr>
+          <a:xfrm rot="16200000" flipH="1">
+            <a:off x="2339562" y="1732347"/>
+            <a:ext cx="500066" cy="2321735"/>
+          </a:xfrm>
+          <a:prstGeom prst="straightConnector1">
+            <a:avLst/>
+          </a:prstGeom>
+          <a:ln>
+            <a:tailEnd type="arrow"/>
+          </a:ln>
+        </p:spPr>
+        <p:style>
+          <a:lnRef idx="1">
+            <a:schemeClr val="accent1"/>
+          </a:lnRef>
+          <a:fillRef idx="0">
+            <a:schemeClr val="accent1"/>
+          </a:fillRef>
+          <a:effectRef idx="0">
+            <a:schemeClr val="accent1"/>
+          </a:effectRef>
+          <a:fontRef idx="minor">
+            <a:schemeClr val="tx1"/>
+          </a:fontRef>
+        </p:style>
+      </p:cxnSp>
+      <p:cxnSp>
+        <p:nvCxnSpPr>
+          <p:cNvPr id="33" name="直接箭头连接符 32"/>
+          <p:cNvCxnSpPr>
+            <a:stCxn id="12" idx="2"/>
+            <a:endCxn id="21" idx="0"/>
+          </p:cNvCxnSpPr>
+          <p:nvPr/>
+        </p:nvCxnSpPr>
+        <p:spPr>
+          <a:xfrm rot="5400000">
+            <a:off x="4304108" y="2089538"/>
+            <a:ext cx="500066" cy="1607355"/>
+          </a:xfrm>
+          <a:prstGeom prst="straightConnector1">
+            <a:avLst/>
+          </a:prstGeom>
+          <a:ln>
+            <a:tailEnd type="arrow"/>
+          </a:ln>
+        </p:spPr>
+        <p:style>
+          <a:lnRef idx="1">
+            <a:schemeClr val="accent1"/>
+          </a:lnRef>
+          <a:fillRef idx="0">
+            <a:schemeClr val="accent1"/>
+          </a:fillRef>
+          <a:effectRef idx="0">
+            <a:schemeClr val="accent1"/>
+          </a:effectRef>
+          <a:fontRef idx="minor">
+            <a:schemeClr val="tx1"/>
+          </a:fontRef>
+        </p:style>
+      </p:cxnSp>
+      <p:cxnSp>
+        <p:nvCxnSpPr>
+          <p:cNvPr id="35" name="直接箭头连接符 34"/>
+          <p:cNvCxnSpPr>
+            <a:stCxn id="14" idx="2"/>
+            <a:endCxn id="21" idx="0"/>
+          </p:cNvCxnSpPr>
+          <p:nvPr/>
+        </p:nvCxnSpPr>
+        <p:spPr>
+          <a:xfrm rot="5400000">
+            <a:off x="4768455" y="1625191"/>
+            <a:ext cx="500066" cy="2536049"/>
+          </a:xfrm>
+          <a:prstGeom prst="straightConnector1">
+            <a:avLst/>
+          </a:prstGeom>
+          <a:ln>
+            <a:tailEnd type="arrow"/>
+          </a:ln>
+        </p:spPr>
+        <p:style>
+          <a:lnRef idx="1">
+            <a:schemeClr val="accent1"/>
+          </a:lnRef>
+          <a:fillRef idx="0">
+            <a:schemeClr val="accent1"/>
+          </a:fillRef>
+          <a:effectRef idx="0">
+            <a:schemeClr val="accent1"/>
+          </a:effectRef>
+          <a:fontRef idx="minor">
+            <a:schemeClr val="tx1"/>
+          </a:fontRef>
+        </p:style>
+      </p:cxnSp>
+      <p:sp>
+        <p:nvSpPr>
+          <p:cNvPr id="36" name="TextBox 35"/>
+          <p:cNvSpPr txBox="1"/>
+          <p:nvPr/>
+        </p:nvSpPr>
+        <p:spPr>
+          <a:xfrm>
+            <a:off x="428597" y="4857760"/>
+            <a:ext cx="7643866" cy="1200329"/>
+          </a:xfrm>
+          <a:prstGeom prst="rect">
+            <a:avLst/>
+          </a:prstGeom>
+          <a:noFill/>
+        </p:spPr>
+        <p:txBody>
+          <a:bodyPr wrap="square" rtlCol="0">
+            <a:spAutoFit/>
+          </a:bodyPr>
+          <a:lstStyle/>
+          <a:p>
+            <a:r>
+              <a:rPr lang="zh-CN" altLang="en-US" dirty="0" smtClean="0"/>
+              <a:t>对物体取很多特征，如果特征</a:t>
+            </a:r>
+            <a:r>
+              <a:rPr lang="en-US" altLang="zh-CN" dirty="0" smtClean="0"/>
+              <a:t>1</a:t>
+            </a:r>
+            <a:r>
+              <a:rPr lang="zh-CN" altLang="en-US" dirty="0" smtClean="0"/>
+              <a:t>，</a:t>
+            </a:r>
+            <a:r>
+              <a:rPr lang="en-US" altLang="zh-CN" dirty="0" smtClean="0"/>
+              <a:t>2</a:t>
+            </a:r>
+            <a:r>
+              <a:rPr lang="zh-CN" altLang="en-US" dirty="0" smtClean="0"/>
+              <a:t>，</a:t>
+            </a:r>
+            <a:r>
+              <a:rPr lang="en-US" altLang="zh-CN" dirty="0" smtClean="0"/>
+              <a:t>3</a:t>
+            </a:r>
+            <a:r>
+              <a:rPr lang="zh-CN" altLang="en-US" dirty="0" smtClean="0"/>
+              <a:t>，</a:t>
+            </a:r>
+            <a:r>
+              <a:rPr lang="en-US" altLang="zh-CN" dirty="0" smtClean="0"/>
+              <a:t>6</a:t>
+            </a:r>
+            <a:r>
+              <a:rPr lang="zh-CN" altLang="en-US" dirty="0" smtClean="0"/>
+              <a:t>，</a:t>
+            </a:r>
+            <a:r>
+              <a:rPr lang="en-US" altLang="zh-CN" dirty="0" smtClean="0"/>
+              <a:t>7</a:t>
+            </a:r>
+            <a:r>
+              <a:rPr lang="zh-CN" altLang="en-US" dirty="0" smtClean="0"/>
+              <a:t>，</a:t>
+            </a:r>
+            <a:r>
+              <a:rPr lang="en-US" altLang="zh-CN" dirty="0" smtClean="0"/>
+              <a:t>9</a:t>
+            </a:r>
+            <a:r>
+              <a:rPr lang="zh-CN" altLang="en-US" dirty="0" smtClean="0"/>
+              <a:t>之类的相似，而其余特征不相似，认为属于同一类。</a:t>
+            </a:r>
+            <a:endParaRPr lang="en-US" altLang="zh-CN" dirty="0" smtClean="0"/>
+          </a:p>
+          <a:p>
+            <a:r>
+              <a:rPr lang="zh-CN" altLang="en-US" dirty="0" smtClean="0"/>
+              <a:t>同理，如果另一套特征相似，则认为属于种类</a:t>
+            </a:r>
+            <a:r>
+              <a:rPr lang="en-US" altLang="zh-CN" dirty="0" smtClean="0"/>
+              <a:t>B</a:t>
+            </a:r>
+            <a:r>
+              <a:rPr lang="zh-CN" altLang="en-US" dirty="0" smtClean="0"/>
+              <a:t>。</a:t>
+            </a:r>
+            <a:endParaRPr lang="en-US" altLang="zh-CN" dirty="0" smtClean="0"/>
+          </a:p>
+          <a:p>
+            <a:endParaRPr lang="zh-CN" altLang="en-US" dirty="0"/>
+          </a:p>
+        </p:txBody>
+      </p:sp>
     </p:spTree>
   </p:cSld>
   <p:clrMapOvr>
